--- a/ppt.pptx
+++ b/ppt.pptx
@@ -7,6 +7,10 @@
   <p:sldIdLst>
     <p:sldId id="256" r:id="rId2"/>
     <p:sldId id="257" r:id="rId3"/>
+    <p:sldId id="258" r:id="rId4"/>
+    <p:sldId id="259" r:id="rId5"/>
+    <p:sldId id="261" r:id="rId6"/>
+    <p:sldId id="260" r:id="rId7"/>
   </p:sldIdLst>
   <p:sldSz cx="12192000" cy="6858000"/>
   <p:notesSz cx="6858000" cy="9144000"/>
@@ -112,9 +116,16 @@
           <p14:sldIdLst>
             <p14:sldId id="256"/>
             <p14:sldId id="257"/>
+            <p14:sldId id="258"/>
+            <p14:sldId id="259"/>
+            <p14:sldId id="261"/>
+            <p14:sldId id="260"/>
           </p14:sldIdLst>
         </p14:section>
       </p14:sectionLst>
+    </p:ext>
+    <p:ext uri="{EFAFB233-063F-42B5-8137-9DF3F51BA10A}">
+      <p15:sldGuideLst xmlns:p15="http://schemas.microsoft.com/office/powerpoint/2012/main"/>
     </p:ext>
   </p:extLst>
 </p:presentation>
@@ -306,7 +317,7 @@
           <a:p>
             <a:fld id="{97095D91-4134-4D40-B085-E208BDCE2780}" type="datetimeFigureOut">
               <a:rPr lang="zh-CN" altLang="en-US" smtClean="0"/>
-              <a:t>2017/6/14</a:t>
+              <a:t>2017/6/16</a:t>
             </a:fld>
             <a:endParaRPr lang="zh-CN" altLang="en-US"/>
           </a:p>
@@ -581,7 +592,7 @@
           <a:p>
             <a:fld id="{97095D91-4134-4D40-B085-E208BDCE2780}" type="datetimeFigureOut">
               <a:rPr lang="zh-CN" altLang="en-US" smtClean="0"/>
-              <a:t>2017/6/14</a:t>
+              <a:t>2017/6/16</a:t>
             </a:fld>
             <a:endParaRPr lang="zh-CN" altLang="en-US"/>
           </a:p>
@@ -775,7 +786,7 @@
           <a:p>
             <a:fld id="{97095D91-4134-4D40-B085-E208BDCE2780}" type="datetimeFigureOut">
               <a:rPr lang="zh-CN" altLang="en-US" smtClean="0"/>
-              <a:t>2017/6/14</a:t>
+              <a:t>2017/6/16</a:t>
             </a:fld>
             <a:endParaRPr lang="zh-CN" altLang="en-US"/>
           </a:p>
@@ -1048,7 +1059,7 @@
           <a:p>
             <a:fld id="{97095D91-4134-4D40-B085-E208BDCE2780}" type="datetimeFigureOut">
               <a:rPr lang="zh-CN" altLang="en-US" smtClean="0"/>
-              <a:t>2017/6/14</a:t>
+              <a:t>2017/6/16</a:t>
             </a:fld>
             <a:endParaRPr lang="zh-CN" altLang="en-US"/>
           </a:p>
@@ -1389,7 +1400,7 @@
           <a:p>
             <a:fld id="{97095D91-4134-4D40-B085-E208BDCE2780}" type="datetimeFigureOut">
               <a:rPr lang="zh-CN" altLang="en-US" smtClean="0"/>
-              <a:t>2017/6/14</a:t>
+              <a:t>2017/6/16</a:t>
             </a:fld>
             <a:endParaRPr lang="zh-CN" altLang="en-US"/>
           </a:p>
@@ -2012,7 +2023,7 @@
           <a:p>
             <a:fld id="{97095D91-4134-4D40-B085-E208BDCE2780}" type="datetimeFigureOut">
               <a:rPr lang="zh-CN" altLang="en-US" smtClean="0"/>
-              <a:t>2017/6/14</a:t>
+              <a:t>2017/6/16</a:t>
             </a:fld>
             <a:endParaRPr lang="zh-CN" altLang="en-US"/>
           </a:p>
@@ -2872,7 +2883,7 @@
           <a:p>
             <a:fld id="{97095D91-4134-4D40-B085-E208BDCE2780}" type="datetimeFigureOut">
               <a:rPr lang="zh-CN" altLang="en-US" smtClean="0"/>
-              <a:t>2017/6/14</a:t>
+              <a:t>2017/6/16</a:t>
             </a:fld>
             <a:endParaRPr lang="zh-CN" altLang="en-US"/>
           </a:p>
@@ -3042,7 +3053,7 @@
           <a:p>
             <a:fld id="{97095D91-4134-4D40-B085-E208BDCE2780}" type="datetimeFigureOut">
               <a:rPr lang="zh-CN" altLang="en-US" smtClean="0"/>
-              <a:t>2017/6/14</a:t>
+              <a:t>2017/6/16</a:t>
             </a:fld>
             <a:endParaRPr lang="zh-CN" altLang="en-US"/>
           </a:p>
@@ -3222,7 +3233,7 @@
           <a:p>
             <a:fld id="{97095D91-4134-4D40-B085-E208BDCE2780}" type="datetimeFigureOut">
               <a:rPr lang="zh-CN" altLang="en-US" smtClean="0"/>
-              <a:t>2017/6/14</a:t>
+              <a:t>2017/6/16</a:t>
             </a:fld>
             <a:endParaRPr lang="zh-CN" altLang="en-US"/>
           </a:p>
@@ -3392,7 +3403,7 @@
           <a:p>
             <a:fld id="{97095D91-4134-4D40-B085-E208BDCE2780}" type="datetimeFigureOut">
               <a:rPr lang="zh-CN" altLang="en-US" smtClean="0"/>
-              <a:t>2017/6/14</a:t>
+              <a:t>2017/6/16</a:t>
             </a:fld>
             <a:endParaRPr lang="zh-CN" altLang="en-US"/>
           </a:p>
@@ -3639,7 +3650,7 @@
           <a:p>
             <a:fld id="{97095D91-4134-4D40-B085-E208BDCE2780}" type="datetimeFigureOut">
               <a:rPr lang="zh-CN" altLang="en-US" smtClean="0"/>
-              <a:t>2017/6/14</a:t>
+              <a:t>2017/6/16</a:t>
             </a:fld>
             <a:endParaRPr lang="zh-CN" altLang="en-US"/>
           </a:p>
@@ -3931,7 +3942,7 @@
           <a:p>
             <a:fld id="{97095D91-4134-4D40-B085-E208BDCE2780}" type="datetimeFigureOut">
               <a:rPr lang="zh-CN" altLang="en-US" smtClean="0"/>
-              <a:t>2017/6/14</a:t>
+              <a:t>2017/6/16</a:t>
             </a:fld>
             <a:endParaRPr lang="zh-CN" altLang="en-US"/>
           </a:p>
@@ -4375,7 +4386,7 @@
           <a:p>
             <a:fld id="{97095D91-4134-4D40-B085-E208BDCE2780}" type="datetimeFigureOut">
               <a:rPr lang="zh-CN" altLang="en-US" smtClean="0"/>
-              <a:t>2017/6/14</a:t>
+              <a:t>2017/6/16</a:t>
             </a:fld>
             <a:endParaRPr lang="zh-CN" altLang="en-US"/>
           </a:p>
@@ -4493,7 +4504,7 @@
           <a:p>
             <a:fld id="{97095D91-4134-4D40-B085-E208BDCE2780}" type="datetimeFigureOut">
               <a:rPr lang="zh-CN" altLang="en-US" smtClean="0"/>
-              <a:t>2017/6/14</a:t>
+              <a:t>2017/6/16</a:t>
             </a:fld>
             <a:endParaRPr lang="zh-CN" altLang="en-US"/>
           </a:p>
@@ -4588,7 +4599,7 @@
           <a:p>
             <a:fld id="{97095D91-4134-4D40-B085-E208BDCE2780}" type="datetimeFigureOut">
               <a:rPr lang="zh-CN" altLang="en-US" smtClean="0"/>
-              <a:t>2017/6/14</a:t>
+              <a:t>2017/6/16</a:t>
             </a:fld>
             <a:endParaRPr lang="zh-CN" altLang="en-US"/>
           </a:p>
@@ -4867,7 +4878,7 @@
           <a:p>
             <a:fld id="{97095D91-4134-4D40-B085-E208BDCE2780}" type="datetimeFigureOut">
               <a:rPr lang="zh-CN" altLang="en-US" smtClean="0"/>
-              <a:t>2017/6/14</a:t>
+              <a:t>2017/6/16</a:t>
             </a:fld>
             <a:endParaRPr lang="zh-CN" altLang="en-US"/>
           </a:p>
@@ -5142,7 +5153,7 @@
           <a:p>
             <a:fld id="{97095D91-4134-4D40-B085-E208BDCE2780}" type="datetimeFigureOut">
               <a:rPr lang="zh-CN" altLang="en-US" smtClean="0"/>
-              <a:t>2017/6/14</a:t>
+              <a:t>2017/6/16</a:t>
             </a:fld>
             <a:endParaRPr lang="zh-CN" altLang="en-US"/>
           </a:p>
@@ -5571,7 +5582,7 @@
           <a:p>
             <a:fld id="{97095D91-4134-4D40-B085-E208BDCE2780}" type="datetimeFigureOut">
               <a:rPr lang="zh-CN" altLang="en-US" smtClean="0"/>
-              <a:t>2017/6/14</a:t>
+              <a:t>2017/6/16</a:t>
             </a:fld>
             <a:endParaRPr lang="zh-CN" altLang="en-US"/>
           </a:p>
@@ -6243,10 +6254,47 @@
         </p:nvSpPr>
         <p:spPr/>
         <p:txBody>
-          <a:bodyPr/>
-          <a:lstStyle/>
-          <a:p>
-            <a:endParaRPr lang="zh-CN" altLang="en-US" dirty="0"/>
+          <a:bodyPr>
+            <a:normAutofit/>
+          </a:bodyPr>
+          <a:lstStyle/>
+          <a:p>
+            <a:r>
+              <a:rPr lang="zh-CN" altLang="en-US" sz="2800" dirty="0" smtClean="0"/>
+              <a:t>版本控制系统是</a:t>
+            </a:r>
+            <a:r>
+              <a:rPr lang="zh-CN" altLang="en-US" sz="2800" dirty="0"/>
+              <a:t>一种记录一个或若干文件内容变化，以便将来查阅特定版本修订情况的系统</a:t>
+            </a:r>
+            <a:r>
+              <a:rPr lang="zh-CN" altLang="en-US" sz="2800" dirty="0" smtClean="0"/>
+              <a:t>。</a:t>
+            </a:r>
+            <a:endParaRPr lang="en-US" altLang="zh-CN" sz="2800" dirty="0" smtClean="0"/>
+          </a:p>
+          <a:p>
+            <a:r>
+              <a:rPr lang="zh-CN" altLang="en-US" sz="2800" dirty="0" smtClean="0"/>
+              <a:t>在开发过程中，</a:t>
+            </a:r>
+            <a:r>
+              <a:rPr lang="zh-CN" altLang="en-US" sz="2800" dirty="0"/>
+              <a:t>开发者</a:t>
+            </a:r>
+            <a:r>
+              <a:rPr lang="zh-CN" altLang="en-US" sz="2800" dirty="0" smtClean="0"/>
+              <a:t>可能</a:t>
+            </a:r>
+            <a:r>
+              <a:rPr lang="zh-CN" altLang="en-US" sz="2800" dirty="0"/>
+              <a:t>会需要保存某一系统的源码或页面布局文件的所有修订</a:t>
+            </a:r>
+            <a:r>
+              <a:rPr lang="zh-CN" altLang="en-US" sz="2800" dirty="0" smtClean="0"/>
+              <a:t>版本，来观察文件的变化情况，或进行版本控制。</a:t>
+            </a:r>
+            <a:endParaRPr lang="zh-CN" altLang="en-US" sz="2800" dirty="0"/>
           </a:p>
         </p:txBody>
       </p:sp>
@@ -6254,6 +6302,416 @@
     <p:extLst>
       <p:ext uri="{BB962C8B-B14F-4D97-AF65-F5344CB8AC3E}">
         <p14:creationId xmlns:p14="http://schemas.microsoft.com/office/powerpoint/2010/main" val="856418993"/>
+      </p:ext>
+    </p:extLst>
+  </p:cSld>
+  <p:clrMapOvr>
+    <a:masterClrMapping/>
+  </p:clrMapOvr>
+  <p:timing>
+    <p:tnLst>
+      <p:par>
+        <p:cTn id="1" dur="indefinite" restart="never" nodeType="tmRoot"/>
+      </p:par>
+    </p:tnLst>
+  </p:timing>
+</p:sld>
+</file>
+
+<file path=ppt/slides/slide3.xml><?xml version="1.0" encoding="utf-8"?>
+<p:sld xmlns:a="http://schemas.openxmlformats.org/drawingml/2006/main" xmlns:r="http://schemas.openxmlformats.org/officeDocument/2006/relationships" xmlns:p="http://schemas.openxmlformats.org/presentationml/2006/main">
+  <p:cSld>
+    <p:spTree>
+      <p:nvGrpSpPr>
+        <p:cNvPr id="1" name=""/>
+        <p:cNvGrpSpPr/>
+        <p:nvPr/>
+      </p:nvGrpSpPr>
+      <p:grpSpPr>
+        <a:xfrm>
+          <a:off x="0" y="0"/>
+          <a:ext cx="0" cy="0"/>
+          <a:chOff x="0" y="0"/>
+          <a:chExt cx="0" cy="0"/>
+        </a:xfrm>
+      </p:grpSpPr>
+      <p:sp>
+        <p:nvSpPr>
+          <p:cNvPr id="2" name="标题 1"/>
+          <p:cNvSpPr>
+            <a:spLocks noGrp="1"/>
+          </p:cNvSpPr>
+          <p:nvPr>
+            <p:ph type="title"/>
+          </p:nvPr>
+        </p:nvSpPr>
+        <p:spPr/>
+        <p:txBody>
+          <a:bodyPr/>
+          <a:lstStyle/>
+          <a:p>
+            <a:r>
+              <a:rPr lang="zh-CN" altLang="en-US" dirty="0" smtClean="0"/>
+              <a:t>技术路线</a:t>
+            </a:r>
+            <a:endParaRPr lang="zh-CN" altLang="en-US" dirty="0"/>
+          </a:p>
+        </p:txBody>
+      </p:sp>
+      <p:sp>
+        <p:nvSpPr>
+          <p:cNvPr id="3" name="内容占位符 2"/>
+          <p:cNvSpPr>
+            <a:spLocks noGrp="1"/>
+          </p:cNvSpPr>
+          <p:nvPr>
+            <p:ph idx="1"/>
+          </p:nvPr>
+        </p:nvSpPr>
+        <p:spPr/>
+        <p:txBody>
+          <a:bodyPr>
+            <a:normAutofit/>
+          </a:bodyPr>
+          <a:lstStyle/>
+          <a:p>
+            <a:r>
+              <a:rPr lang="en-US" altLang="zh-CN" sz="2800" dirty="0" smtClean="0"/>
+              <a:t>Web</a:t>
+            </a:r>
+            <a:r>
+              <a:rPr lang="zh-CN" altLang="en-US" sz="2800" dirty="0" smtClean="0"/>
+              <a:t>服务使用</a:t>
+            </a:r>
+            <a:r>
+              <a:rPr lang="en-US" altLang="zh-CN" sz="2800" dirty="0" err="1" smtClean="0"/>
+              <a:t>Asp.Net</a:t>
+            </a:r>
+            <a:r>
+              <a:rPr lang="zh-CN" altLang="en-US" sz="2800" dirty="0" smtClean="0"/>
+              <a:t>技术栈，后端开发语言为</a:t>
+            </a:r>
+            <a:r>
+              <a:rPr lang="en-US" altLang="zh-CN" sz="2800" dirty="0" smtClean="0"/>
+              <a:t>C#</a:t>
+            </a:r>
+            <a:r>
+              <a:rPr lang="zh-CN" altLang="en-US" sz="2800" dirty="0" smtClean="0"/>
+              <a:t>，数据库使用</a:t>
+            </a:r>
+            <a:r>
+              <a:rPr lang="en-US" altLang="zh-CN" sz="2800" dirty="0" smtClean="0"/>
+              <a:t>SQL Server</a:t>
+            </a:r>
+            <a:r>
+              <a:rPr lang="zh-CN" altLang="en-US" sz="2800" dirty="0" smtClean="0"/>
+              <a:t>，数据库操作使用微软企业库。</a:t>
+            </a:r>
+            <a:endParaRPr lang="en-US" altLang="zh-CN" sz="2800" dirty="0" smtClean="0"/>
+          </a:p>
+          <a:p>
+            <a:r>
+              <a:rPr lang="zh-CN" altLang="en-US" sz="2800" dirty="0" smtClean="0"/>
+              <a:t>前端使用了</a:t>
+            </a:r>
+            <a:r>
+              <a:rPr lang="en-US" altLang="zh-CN" sz="2800" dirty="0" smtClean="0"/>
+              <a:t>Sigma</a:t>
+            </a:r>
+            <a:r>
+              <a:rPr lang="zh-CN" altLang="en-US" sz="2800" dirty="0" smtClean="0"/>
+              <a:t>数据可视化库。</a:t>
+            </a:r>
+            <a:endParaRPr lang="en-US" altLang="zh-CN" sz="2800" dirty="0" smtClean="0"/>
+          </a:p>
+          <a:p>
+            <a:r>
+              <a:rPr lang="zh-CN" altLang="en-US" sz="2800" dirty="0" smtClean="0"/>
+              <a:t>文件服务器使用</a:t>
+            </a:r>
+            <a:r>
+              <a:rPr lang="en-US" altLang="zh-CN" sz="2800" dirty="0" smtClean="0"/>
+              <a:t>C++</a:t>
+            </a:r>
+            <a:r>
+              <a:rPr lang="zh-CN" altLang="en-US" sz="2800" dirty="0" smtClean="0"/>
+              <a:t>实现，使用的框架为</a:t>
+            </a:r>
+            <a:r>
+              <a:rPr lang="en-US" altLang="zh-CN" sz="2800" dirty="0" err="1" smtClean="0"/>
+              <a:t>stl</a:t>
+            </a:r>
+            <a:r>
+              <a:rPr lang="zh-CN" altLang="en-US" sz="2800" dirty="0" smtClean="0"/>
+              <a:t>和</a:t>
+            </a:r>
+            <a:r>
+              <a:rPr lang="en-US" altLang="zh-CN" sz="2800" dirty="0" smtClean="0"/>
+              <a:t>boost</a:t>
+            </a:r>
+            <a:r>
+              <a:rPr lang="zh-CN" altLang="en-US" sz="2800" dirty="0" smtClean="0"/>
+              <a:t>。</a:t>
+            </a:r>
+            <a:endParaRPr lang="zh-CN" altLang="en-US" sz="2800" dirty="0"/>
+          </a:p>
+        </p:txBody>
+      </p:sp>
+    </p:spTree>
+    <p:extLst>
+      <p:ext uri="{BB962C8B-B14F-4D97-AF65-F5344CB8AC3E}">
+        <p14:creationId xmlns:p14="http://schemas.microsoft.com/office/powerpoint/2010/main" val="3190787952"/>
+      </p:ext>
+    </p:extLst>
+  </p:cSld>
+  <p:clrMapOvr>
+    <a:masterClrMapping/>
+  </p:clrMapOvr>
+  <p:timing>
+    <p:tnLst>
+      <p:par>
+        <p:cTn id="1" dur="indefinite" restart="never" nodeType="tmRoot"/>
+      </p:par>
+    </p:tnLst>
+  </p:timing>
+</p:sld>
+</file>
+
+<file path=ppt/slides/slide4.xml><?xml version="1.0" encoding="utf-8"?>
+<p:sld xmlns:a="http://schemas.openxmlformats.org/drawingml/2006/main" xmlns:r="http://schemas.openxmlformats.org/officeDocument/2006/relationships" xmlns:p="http://schemas.openxmlformats.org/presentationml/2006/main">
+  <p:cSld>
+    <p:spTree>
+      <p:nvGrpSpPr>
+        <p:cNvPr id="1" name=""/>
+        <p:cNvGrpSpPr/>
+        <p:nvPr/>
+      </p:nvGrpSpPr>
+      <p:grpSpPr>
+        <a:xfrm>
+          <a:off x="0" y="0"/>
+          <a:ext cx="0" cy="0"/>
+          <a:chOff x="0" y="0"/>
+          <a:chExt cx="0" cy="0"/>
+        </a:xfrm>
+      </p:grpSpPr>
+      <p:sp>
+        <p:nvSpPr>
+          <p:cNvPr id="2" name="标题 1"/>
+          <p:cNvSpPr>
+            <a:spLocks noGrp="1"/>
+          </p:cNvSpPr>
+          <p:nvPr>
+            <p:ph type="title"/>
+          </p:nvPr>
+        </p:nvSpPr>
+        <p:spPr/>
+        <p:txBody>
+          <a:bodyPr/>
+          <a:lstStyle/>
+          <a:p>
+            <a:r>
+              <a:rPr lang="zh-CN" altLang="en-US" dirty="0" smtClean="0"/>
+              <a:t>系统概述</a:t>
+            </a:r>
+            <a:endParaRPr lang="zh-CN" altLang="en-US" dirty="0"/>
+          </a:p>
+        </p:txBody>
+      </p:sp>
+      <p:pic>
+        <p:nvPicPr>
+          <p:cNvPr id="4" name="内容占位符 3"/>
+          <p:cNvPicPr>
+            <a:picLocks noGrp="1" noChangeAspect="1"/>
+          </p:cNvPicPr>
+          <p:nvPr>
+            <p:ph idx="1"/>
+          </p:nvPr>
+        </p:nvPicPr>
+        <p:blipFill>
+          <a:blip r:embed="rId2"/>
+          <a:stretch>
+            <a:fillRect/>
+          </a:stretch>
+        </p:blipFill>
+        <p:spPr>
+          <a:xfrm>
+            <a:off x="2066007" y="1712364"/>
+            <a:ext cx="4400893" cy="4196556"/>
+          </a:xfrm>
+          <a:prstGeom prst="rect">
+            <a:avLst/>
+          </a:prstGeom>
+        </p:spPr>
+      </p:pic>
+    </p:spTree>
+    <p:extLst>
+      <p:ext uri="{BB962C8B-B14F-4D97-AF65-F5344CB8AC3E}">
+        <p14:creationId xmlns:p14="http://schemas.microsoft.com/office/powerpoint/2010/main" val="768250563"/>
+      </p:ext>
+    </p:extLst>
+  </p:cSld>
+  <p:clrMapOvr>
+    <a:masterClrMapping/>
+  </p:clrMapOvr>
+  <p:timing>
+    <p:tnLst>
+      <p:par>
+        <p:cTn id="1" dur="indefinite" restart="never" nodeType="tmRoot"/>
+      </p:par>
+    </p:tnLst>
+  </p:timing>
+</p:sld>
+</file>
+
+<file path=ppt/slides/slide5.xml><?xml version="1.0" encoding="utf-8"?>
+<p:sld xmlns:a="http://schemas.openxmlformats.org/drawingml/2006/main" xmlns:r="http://schemas.openxmlformats.org/officeDocument/2006/relationships" xmlns:p="http://schemas.openxmlformats.org/presentationml/2006/main">
+  <p:cSld>
+    <p:spTree>
+      <p:nvGrpSpPr>
+        <p:cNvPr id="1" name=""/>
+        <p:cNvGrpSpPr/>
+        <p:nvPr/>
+      </p:nvGrpSpPr>
+      <p:grpSpPr>
+        <a:xfrm>
+          <a:off x="0" y="0"/>
+          <a:ext cx="0" cy="0"/>
+          <a:chOff x="0" y="0"/>
+          <a:chExt cx="0" cy="0"/>
+        </a:xfrm>
+      </p:grpSpPr>
+      <p:sp>
+        <p:nvSpPr>
+          <p:cNvPr id="2" name="标题 1"/>
+          <p:cNvSpPr>
+            <a:spLocks noGrp="1"/>
+          </p:cNvSpPr>
+          <p:nvPr>
+            <p:ph type="title"/>
+          </p:nvPr>
+        </p:nvSpPr>
+        <p:spPr/>
+        <p:txBody>
+          <a:bodyPr/>
+          <a:lstStyle/>
+          <a:p>
+            <a:r>
+              <a:rPr lang="zh-CN" altLang="en-US" dirty="0" smtClean="0"/>
+              <a:t>版本关系图</a:t>
+            </a:r>
+            <a:endParaRPr lang="zh-CN" altLang="en-US" dirty="0"/>
+          </a:p>
+        </p:txBody>
+      </p:sp>
+      <p:sp>
+        <p:nvSpPr>
+          <p:cNvPr id="3" name="内容占位符 2"/>
+          <p:cNvSpPr>
+            <a:spLocks noGrp="1"/>
+          </p:cNvSpPr>
+          <p:nvPr>
+            <p:ph idx="1"/>
+          </p:nvPr>
+        </p:nvSpPr>
+        <p:spPr/>
+        <p:txBody>
+          <a:bodyPr/>
+          <a:lstStyle/>
+          <a:p>
+            <a:endParaRPr lang="zh-CN" altLang="en-US"/>
+          </a:p>
+        </p:txBody>
+      </p:sp>
+    </p:spTree>
+    <p:extLst>
+      <p:ext uri="{BB962C8B-B14F-4D97-AF65-F5344CB8AC3E}">
+        <p14:creationId xmlns:p14="http://schemas.microsoft.com/office/powerpoint/2010/main" val="2795397157"/>
+      </p:ext>
+    </p:extLst>
+  </p:cSld>
+  <p:clrMapOvr>
+    <a:masterClrMapping/>
+  </p:clrMapOvr>
+  <p:timing>
+    <p:tnLst>
+      <p:par>
+        <p:cTn id="1" dur="indefinite" restart="never" nodeType="tmRoot"/>
+      </p:par>
+    </p:tnLst>
+  </p:timing>
+</p:sld>
+</file>
+
+<file path=ppt/slides/slide6.xml><?xml version="1.0" encoding="utf-8"?>
+<p:sld xmlns:a="http://schemas.openxmlformats.org/drawingml/2006/main" xmlns:r="http://schemas.openxmlformats.org/officeDocument/2006/relationships" xmlns:p="http://schemas.openxmlformats.org/presentationml/2006/main">
+  <p:cSld>
+    <p:spTree>
+      <p:nvGrpSpPr>
+        <p:cNvPr id="1" name=""/>
+        <p:cNvGrpSpPr/>
+        <p:nvPr/>
+      </p:nvGrpSpPr>
+      <p:grpSpPr>
+        <a:xfrm>
+          <a:off x="0" y="0"/>
+          <a:ext cx="0" cy="0"/>
+          <a:chOff x="0" y="0"/>
+          <a:chExt cx="0" cy="0"/>
+        </a:xfrm>
+      </p:grpSpPr>
+      <p:sp>
+        <p:nvSpPr>
+          <p:cNvPr id="2" name="标题 1"/>
+          <p:cNvSpPr>
+            <a:spLocks noGrp="1"/>
+          </p:cNvSpPr>
+          <p:nvPr>
+            <p:ph type="title"/>
+          </p:nvPr>
+        </p:nvSpPr>
+        <p:spPr/>
+        <p:txBody>
+          <a:bodyPr/>
+          <a:lstStyle/>
+          <a:p>
+            <a:r>
+              <a:rPr lang="zh-CN" altLang="en-US" dirty="0" smtClean="0"/>
+              <a:t>文件服务器交互过程</a:t>
+            </a:r>
+            <a:endParaRPr lang="zh-CN" altLang="en-US" dirty="0"/>
+          </a:p>
+        </p:txBody>
+      </p:sp>
+      <p:pic>
+        <p:nvPicPr>
+          <p:cNvPr id="8" name="内容占位符 7"/>
+          <p:cNvPicPr>
+            <a:picLocks noGrp="1" noChangeAspect="1"/>
+          </p:cNvPicPr>
+          <p:nvPr>
+            <p:ph idx="1"/>
+          </p:nvPr>
+        </p:nvPicPr>
+        <p:blipFill>
+          <a:blip r:embed="rId2"/>
+          <a:stretch>
+            <a:fillRect/>
+          </a:stretch>
+        </p:blipFill>
+        <p:spPr>
+          <a:xfrm>
+            <a:off x="965208" y="2109646"/>
+            <a:ext cx="9258446" cy="3865114"/>
+          </a:xfrm>
+          <a:prstGeom prst="rect">
+            <a:avLst/>
+          </a:prstGeom>
+        </p:spPr>
+      </p:pic>
+    </p:spTree>
+    <p:extLst>
+      <p:ext uri="{BB962C8B-B14F-4D97-AF65-F5344CB8AC3E}">
+        <p14:creationId xmlns:p14="http://schemas.microsoft.com/office/powerpoint/2010/main" val="3344477646"/>
       </p:ext>
     </p:extLst>
   </p:cSld>

--- a/ppt.pptx
+++ b/ppt.pptx
@@ -2,8 +2,11 @@
 <file path=ppt/presentation.xml><?xml version="1.0" encoding="utf-8"?>
 <p:presentation xmlns:a="http://schemas.openxmlformats.org/drawingml/2006/main" xmlns:r="http://schemas.openxmlformats.org/officeDocument/2006/relationships" xmlns:p="http://schemas.openxmlformats.org/presentationml/2006/main" saveSubsetFonts="1">
   <p:sldMasterIdLst>
-    <p:sldMasterId id="2147483660" r:id="rId1"/>
+    <p:sldMasterId id="2147483678" r:id="rId1"/>
   </p:sldMasterIdLst>
+  <p:handoutMasterIdLst>
+    <p:handoutMasterId r:id="rId9"/>
+  </p:handoutMasterIdLst>
   <p:sldIdLst>
     <p:sldId id="256" r:id="rId2"/>
     <p:sldId id="257" r:id="rId3"/>
@@ -11,6 +14,7 @@
     <p:sldId id="259" r:id="rId5"/>
     <p:sldId id="261" r:id="rId6"/>
     <p:sldId id="260" r:id="rId7"/>
+    <p:sldId id="262" r:id="rId8"/>
   </p:sldIdLst>
   <p:sldSz cx="12192000" cy="6858000"/>
   <p:notesSz cx="6858000" cy="9144000"/>
@@ -120,6 +124,7 @@
             <p14:sldId id="259"/>
             <p14:sldId id="261"/>
             <p14:sldId id="260"/>
+            <p14:sldId id="262"/>
           </p14:sldIdLst>
         </p14:section>
       </p14:sectionLst>
@@ -129,6 +134,171 @@
     </p:ext>
   </p:extLst>
 </p:presentation>
+</file>
+
+<file path=ppt/handoutMasters/handoutMaster1.xml><?xml version="1.0" encoding="utf-8"?>
+<p:handoutMaster xmlns:a="http://schemas.openxmlformats.org/drawingml/2006/main" xmlns:r="http://schemas.openxmlformats.org/officeDocument/2006/relationships" xmlns:p="http://schemas.openxmlformats.org/presentationml/2006/main">
+  <p:cSld>
+    <p:bg>
+      <p:bgRef idx="1001">
+        <a:schemeClr val="bg1"/>
+      </p:bgRef>
+    </p:bg>
+    <p:spTree>
+      <p:nvGrpSpPr>
+        <p:cNvPr id="1" name=""/>
+        <p:cNvGrpSpPr/>
+        <p:nvPr/>
+      </p:nvGrpSpPr>
+      <p:grpSpPr>
+        <a:xfrm>
+          <a:off x="0" y="0"/>
+          <a:ext cx="0" cy="0"/>
+          <a:chOff x="0" y="0"/>
+          <a:chExt cx="0" cy="0"/>
+        </a:xfrm>
+      </p:grpSpPr>
+      <p:sp>
+        <p:nvSpPr>
+          <p:cNvPr id="2" name="页眉占位符 1"/>
+          <p:cNvSpPr>
+            <a:spLocks noGrp="1"/>
+          </p:cNvSpPr>
+          <p:nvPr>
+            <p:ph type="hdr" sz="quarter"/>
+          </p:nvPr>
+        </p:nvSpPr>
+        <p:spPr>
+          <a:xfrm>
+            <a:off x="0" y="0"/>
+            <a:ext cx="2971800" cy="458788"/>
+          </a:xfrm>
+          <a:prstGeom prst="rect">
+            <a:avLst/>
+          </a:prstGeom>
+        </p:spPr>
+        <p:txBody>
+          <a:bodyPr vert="horz" lIns="91440" tIns="45720" rIns="91440" bIns="45720" rtlCol="0"/>
+          <a:lstStyle>
+            <a:lvl1pPr algn="l">
+              <a:defRPr sz="1200"/>
+            </a:lvl1pPr>
+          </a:lstStyle>
+          <a:p>
+            <a:endParaRPr lang="zh-CN" altLang="en-US"/>
+          </a:p>
+        </p:txBody>
+      </p:sp>
+      <p:sp>
+        <p:nvSpPr>
+          <p:cNvPr id="3" name="日期占位符 2"/>
+          <p:cNvSpPr>
+            <a:spLocks noGrp="1"/>
+          </p:cNvSpPr>
+          <p:nvPr>
+            <p:ph type="dt" sz="quarter" idx="1"/>
+          </p:nvPr>
+        </p:nvSpPr>
+        <p:spPr>
+          <a:xfrm>
+            <a:off x="3884613" y="0"/>
+            <a:ext cx="2971800" cy="458788"/>
+          </a:xfrm>
+          <a:prstGeom prst="rect">
+            <a:avLst/>
+          </a:prstGeom>
+        </p:spPr>
+        <p:txBody>
+          <a:bodyPr vert="horz" lIns="91440" tIns="45720" rIns="91440" bIns="45720" rtlCol="0"/>
+          <a:lstStyle>
+            <a:lvl1pPr algn="r">
+              <a:defRPr sz="1200"/>
+            </a:lvl1pPr>
+          </a:lstStyle>
+          <a:p>
+            <a:fld id="{11BFA982-DA4C-4371-8E8E-45BA2AE65C4F}" type="datetimeFigureOut">
+              <a:rPr lang="zh-CN" altLang="en-US" smtClean="0"/>
+              <a:t>2017/6/17</a:t>
+            </a:fld>
+            <a:endParaRPr lang="zh-CN" altLang="en-US"/>
+          </a:p>
+        </p:txBody>
+      </p:sp>
+      <p:sp>
+        <p:nvSpPr>
+          <p:cNvPr id="4" name="页脚占位符 3"/>
+          <p:cNvSpPr>
+            <a:spLocks noGrp="1"/>
+          </p:cNvSpPr>
+          <p:nvPr>
+            <p:ph type="ftr" sz="quarter" idx="2"/>
+          </p:nvPr>
+        </p:nvSpPr>
+        <p:spPr>
+          <a:xfrm>
+            <a:off x="0" y="8685213"/>
+            <a:ext cx="2971800" cy="458787"/>
+          </a:xfrm>
+          <a:prstGeom prst="rect">
+            <a:avLst/>
+          </a:prstGeom>
+        </p:spPr>
+        <p:txBody>
+          <a:bodyPr vert="horz" lIns="91440" tIns="45720" rIns="91440" bIns="45720" rtlCol="0" anchor="b"/>
+          <a:lstStyle>
+            <a:lvl1pPr algn="l">
+              <a:defRPr sz="1200"/>
+            </a:lvl1pPr>
+          </a:lstStyle>
+          <a:p>
+            <a:endParaRPr lang="zh-CN" altLang="en-US"/>
+          </a:p>
+        </p:txBody>
+      </p:sp>
+      <p:sp>
+        <p:nvSpPr>
+          <p:cNvPr id="5" name="灯片编号占位符 4"/>
+          <p:cNvSpPr>
+            <a:spLocks noGrp="1"/>
+          </p:cNvSpPr>
+          <p:nvPr>
+            <p:ph type="sldNum" sz="quarter" idx="3"/>
+          </p:nvPr>
+        </p:nvSpPr>
+        <p:spPr>
+          <a:xfrm>
+            <a:off x="3884613" y="8685213"/>
+            <a:ext cx="2971800" cy="458787"/>
+          </a:xfrm>
+          <a:prstGeom prst="rect">
+            <a:avLst/>
+          </a:prstGeom>
+        </p:spPr>
+        <p:txBody>
+          <a:bodyPr vert="horz" lIns="91440" tIns="45720" rIns="91440" bIns="45720" rtlCol="0" anchor="b"/>
+          <a:lstStyle>
+            <a:lvl1pPr algn="r">
+              <a:defRPr sz="1200"/>
+            </a:lvl1pPr>
+          </a:lstStyle>
+          <a:p>
+            <a:fld id="{B8D09DE2-FA44-4CAE-BDAC-D2237339A67A}" type="slidenum">
+              <a:rPr lang="zh-CN" altLang="en-US" smtClean="0"/>
+              <a:t>‹#›</a:t>
+            </a:fld>
+            <a:endParaRPr lang="zh-CN" altLang="en-US"/>
+          </a:p>
+        </p:txBody>
+      </p:sp>
+    </p:spTree>
+    <p:extLst>
+      <p:ext uri="{BB962C8B-B14F-4D97-AF65-F5344CB8AC3E}">
+        <p14:creationId xmlns:p14="http://schemas.microsoft.com/office/powerpoint/2010/main" val="1019000924"/>
+      </p:ext>
+    </p:extLst>
+  </p:cSld>
+  <p:clrMap bg1="lt1" tx1="dk1" bg2="lt2" tx2="dk2" accent1="accent1" accent2="accent2" accent3="accent3" accent4="accent4" accent5="accent5" accent6="accent6" hlink="hlink" folHlink="folHlink"/>
+</p:handoutMaster>
 </file>
 
 <file path=ppt/slideLayouts/slideLayout1.xml><?xml version="1.0" encoding="utf-8"?>
@@ -317,7 +487,7 @@
           <a:p>
             <a:fld id="{97095D91-4134-4D40-B085-E208BDCE2780}" type="datetimeFigureOut">
               <a:rPr lang="zh-CN" altLang="en-US" smtClean="0"/>
-              <a:t>2017/6/16</a:t>
+              <a:t>2017/6/17</a:t>
             </a:fld>
             <a:endParaRPr lang="zh-CN" altLang="en-US"/>
           </a:p>
@@ -368,7 +538,7 @@
     </p:spTree>
     <p:extLst>
       <p:ext uri="{BB962C8B-B14F-4D97-AF65-F5344CB8AC3E}">
-        <p14:creationId xmlns:p14="http://schemas.microsoft.com/office/powerpoint/2010/main" val="2619041079"/>
+        <p14:creationId xmlns:p14="http://schemas.microsoft.com/office/powerpoint/2010/main" val="1113484338"/>
       </p:ext>
     </p:extLst>
   </p:cSld>
@@ -592,7 +762,7 @@
           <a:p>
             <a:fld id="{97095D91-4134-4D40-B085-E208BDCE2780}" type="datetimeFigureOut">
               <a:rPr lang="zh-CN" altLang="en-US" smtClean="0"/>
-              <a:t>2017/6/16</a:t>
+              <a:t>2017/6/17</a:t>
             </a:fld>
             <a:endParaRPr lang="zh-CN" altLang="en-US"/>
           </a:p>
@@ -643,7 +813,7 @@
     </p:spTree>
     <p:extLst>
       <p:ext uri="{BB962C8B-B14F-4D97-AF65-F5344CB8AC3E}">
-        <p14:creationId xmlns:p14="http://schemas.microsoft.com/office/powerpoint/2010/main" val="2273806922"/>
+        <p14:creationId xmlns:p14="http://schemas.microsoft.com/office/powerpoint/2010/main" val="881150501"/>
       </p:ext>
     </p:extLst>
   </p:cSld>
@@ -786,7 +956,7 @@
           <a:p>
             <a:fld id="{97095D91-4134-4D40-B085-E208BDCE2780}" type="datetimeFigureOut">
               <a:rPr lang="zh-CN" altLang="en-US" smtClean="0"/>
-              <a:t>2017/6/16</a:t>
+              <a:t>2017/6/17</a:t>
             </a:fld>
             <a:endParaRPr lang="zh-CN" altLang="en-US"/>
           </a:p>
@@ -837,7 +1007,7 @@
     </p:spTree>
     <p:extLst>
       <p:ext uri="{BB962C8B-B14F-4D97-AF65-F5344CB8AC3E}">
-        <p14:creationId xmlns:p14="http://schemas.microsoft.com/office/powerpoint/2010/main" val="302625604"/>
+        <p14:creationId xmlns:p14="http://schemas.microsoft.com/office/powerpoint/2010/main" val="4000418686"/>
       </p:ext>
     </p:extLst>
   </p:cSld>
@@ -1059,7 +1229,7 @@
           <a:p>
             <a:fld id="{97095D91-4134-4D40-B085-E208BDCE2780}" type="datetimeFigureOut">
               <a:rPr lang="zh-CN" altLang="en-US" smtClean="0"/>
-              <a:t>2017/6/16</a:t>
+              <a:t>2017/6/17</a:t>
             </a:fld>
             <a:endParaRPr lang="zh-CN" altLang="en-US"/>
           </a:p>
@@ -1204,7 +1374,7 @@
     </p:spTree>
     <p:extLst>
       <p:ext uri="{BB962C8B-B14F-4D97-AF65-F5344CB8AC3E}">
-        <p14:creationId xmlns:p14="http://schemas.microsoft.com/office/powerpoint/2010/main" val="2890414542"/>
+        <p14:creationId xmlns:p14="http://schemas.microsoft.com/office/powerpoint/2010/main" val="2317214061"/>
       </p:ext>
     </p:extLst>
   </p:cSld>
@@ -1400,7 +1570,7 @@
           <a:p>
             <a:fld id="{97095D91-4134-4D40-B085-E208BDCE2780}" type="datetimeFigureOut">
               <a:rPr lang="zh-CN" altLang="en-US" smtClean="0"/>
-              <a:t>2017/6/16</a:t>
+              <a:t>2017/6/17</a:t>
             </a:fld>
             <a:endParaRPr lang="zh-CN" altLang="en-US"/>
           </a:p>
@@ -1451,7 +1621,7 @@
     </p:spTree>
     <p:extLst>
       <p:ext uri="{BB962C8B-B14F-4D97-AF65-F5344CB8AC3E}">
-        <p14:creationId xmlns:p14="http://schemas.microsoft.com/office/powerpoint/2010/main" val="1291085383"/>
+        <p14:creationId xmlns:p14="http://schemas.microsoft.com/office/powerpoint/2010/main" val="1916950755"/>
       </p:ext>
     </p:extLst>
   </p:cSld>
@@ -2023,7 +2193,7 @@
           <a:p>
             <a:fld id="{97095D91-4134-4D40-B085-E208BDCE2780}" type="datetimeFigureOut">
               <a:rPr lang="zh-CN" altLang="en-US" smtClean="0"/>
-              <a:t>2017/6/16</a:t>
+              <a:t>2017/6/17</a:t>
             </a:fld>
             <a:endParaRPr lang="zh-CN" altLang="en-US"/>
           </a:p>
@@ -2074,7 +2244,7 @@
     </p:spTree>
     <p:extLst>
       <p:ext uri="{BB962C8B-B14F-4D97-AF65-F5344CB8AC3E}">
-        <p14:creationId xmlns:p14="http://schemas.microsoft.com/office/powerpoint/2010/main" val="1621280051"/>
+        <p14:creationId xmlns:p14="http://schemas.microsoft.com/office/powerpoint/2010/main" val="3602284784"/>
       </p:ext>
     </p:extLst>
   </p:cSld>
@@ -2883,7 +3053,7 @@
           <a:p>
             <a:fld id="{97095D91-4134-4D40-B085-E208BDCE2780}" type="datetimeFigureOut">
               <a:rPr lang="zh-CN" altLang="en-US" smtClean="0"/>
-              <a:t>2017/6/16</a:t>
+              <a:t>2017/6/17</a:t>
             </a:fld>
             <a:endParaRPr lang="zh-CN" altLang="en-US"/>
           </a:p>
@@ -2934,7 +3104,7 @@
     </p:spTree>
     <p:extLst>
       <p:ext uri="{BB962C8B-B14F-4D97-AF65-F5344CB8AC3E}">
-        <p14:creationId xmlns:p14="http://schemas.microsoft.com/office/powerpoint/2010/main" val="2257634513"/>
+        <p14:creationId xmlns:p14="http://schemas.microsoft.com/office/powerpoint/2010/main" val="1984440083"/>
       </p:ext>
     </p:extLst>
   </p:cSld>
@@ -3053,7 +3223,7 @@
           <a:p>
             <a:fld id="{97095D91-4134-4D40-B085-E208BDCE2780}" type="datetimeFigureOut">
               <a:rPr lang="zh-CN" altLang="en-US" smtClean="0"/>
-              <a:t>2017/6/16</a:t>
+              <a:t>2017/6/17</a:t>
             </a:fld>
             <a:endParaRPr lang="zh-CN" altLang="en-US"/>
           </a:p>
@@ -3104,7 +3274,7 @@
     </p:spTree>
     <p:extLst>
       <p:ext uri="{BB962C8B-B14F-4D97-AF65-F5344CB8AC3E}">
-        <p14:creationId xmlns:p14="http://schemas.microsoft.com/office/powerpoint/2010/main" val="4109836753"/>
+        <p14:creationId xmlns:p14="http://schemas.microsoft.com/office/powerpoint/2010/main" val="2137206253"/>
       </p:ext>
     </p:extLst>
   </p:cSld>
@@ -3233,7 +3403,7 @@
           <a:p>
             <a:fld id="{97095D91-4134-4D40-B085-E208BDCE2780}" type="datetimeFigureOut">
               <a:rPr lang="zh-CN" altLang="en-US" smtClean="0"/>
-              <a:t>2017/6/16</a:t>
+              <a:t>2017/6/17</a:t>
             </a:fld>
             <a:endParaRPr lang="zh-CN" altLang="en-US"/>
           </a:p>
@@ -3284,7 +3454,7 @@
     </p:spTree>
     <p:extLst>
       <p:ext uri="{BB962C8B-B14F-4D97-AF65-F5344CB8AC3E}">
-        <p14:creationId xmlns:p14="http://schemas.microsoft.com/office/powerpoint/2010/main" val="898704543"/>
+        <p14:creationId xmlns:p14="http://schemas.microsoft.com/office/powerpoint/2010/main" val="4049401073"/>
       </p:ext>
     </p:extLst>
   </p:cSld>
@@ -3403,7 +3573,7 @@
           <a:p>
             <a:fld id="{97095D91-4134-4D40-B085-E208BDCE2780}" type="datetimeFigureOut">
               <a:rPr lang="zh-CN" altLang="en-US" smtClean="0"/>
-              <a:t>2017/6/16</a:t>
+              <a:t>2017/6/17</a:t>
             </a:fld>
             <a:endParaRPr lang="zh-CN" altLang="en-US"/>
           </a:p>
@@ -3454,7 +3624,7 @@
     </p:spTree>
     <p:extLst>
       <p:ext uri="{BB962C8B-B14F-4D97-AF65-F5344CB8AC3E}">
-        <p14:creationId xmlns:p14="http://schemas.microsoft.com/office/powerpoint/2010/main" val="3346912157"/>
+        <p14:creationId xmlns:p14="http://schemas.microsoft.com/office/powerpoint/2010/main" val="3873843794"/>
       </p:ext>
     </p:extLst>
   </p:cSld>
@@ -3650,7 +3820,7 @@
           <a:p>
             <a:fld id="{97095D91-4134-4D40-B085-E208BDCE2780}" type="datetimeFigureOut">
               <a:rPr lang="zh-CN" altLang="en-US" smtClean="0"/>
-              <a:t>2017/6/16</a:t>
+              <a:t>2017/6/17</a:t>
             </a:fld>
             <a:endParaRPr lang="zh-CN" altLang="en-US"/>
           </a:p>
@@ -3701,7 +3871,7 @@
     </p:spTree>
     <p:extLst>
       <p:ext uri="{BB962C8B-B14F-4D97-AF65-F5344CB8AC3E}">
-        <p14:creationId xmlns:p14="http://schemas.microsoft.com/office/powerpoint/2010/main" val="2336691667"/>
+        <p14:creationId xmlns:p14="http://schemas.microsoft.com/office/powerpoint/2010/main" val="3374798445"/>
       </p:ext>
     </p:extLst>
   </p:cSld>
@@ -3942,7 +4112,7 @@
           <a:p>
             <a:fld id="{97095D91-4134-4D40-B085-E208BDCE2780}" type="datetimeFigureOut">
               <a:rPr lang="zh-CN" altLang="en-US" smtClean="0"/>
-              <a:t>2017/6/16</a:t>
+              <a:t>2017/6/17</a:t>
             </a:fld>
             <a:endParaRPr lang="zh-CN" altLang="en-US"/>
           </a:p>
@@ -3993,7 +4163,7 @@
     </p:spTree>
     <p:extLst>
       <p:ext uri="{BB962C8B-B14F-4D97-AF65-F5344CB8AC3E}">
-        <p14:creationId xmlns:p14="http://schemas.microsoft.com/office/powerpoint/2010/main" val="1206492429"/>
+        <p14:creationId xmlns:p14="http://schemas.microsoft.com/office/powerpoint/2010/main" val="2547964475"/>
       </p:ext>
     </p:extLst>
   </p:cSld>
@@ -4386,7 +4556,7 @@
           <a:p>
             <a:fld id="{97095D91-4134-4D40-B085-E208BDCE2780}" type="datetimeFigureOut">
               <a:rPr lang="zh-CN" altLang="en-US" smtClean="0"/>
-              <a:t>2017/6/16</a:t>
+              <a:t>2017/6/17</a:t>
             </a:fld>
             <a:endParaRPr lang="zh-CN" altLang="en-US"/>
           </a:p>
@@ -4437,7 +4607,7 @@
     </p:spTree>
     <p:extLst>
       <p:ext uri="{BB962C8B-B14F-4D97-AF65-F5344CB8AC3E}">
-        <p14:creationId xmlns:p14="http://schemas.microsoft.com/office/powerpoint/2010/main" val="3743868056"/>
+        <p14:creationId xmlns:p14="http://schemas.microsoft.com/office/powerpoint/2010/main" val="3200187261"/>
       </p:ext>
     </p:extLst>
   </p:cSld>
@@ -4504,7 +4674,7 @@
           <a:p>
             <a:fld id="{97095D91-4134-4D40-B085-E208BDCE2780}" type="datetimeFigureOut">
               <a:rPr lang="zh-CN" altLang="en-US" smtClean="0"/>
-              <a:t>2017/6/16</a:t>
+              <a:t>2017/6/17</a:t>
             </a:fld>
             <a:endParaRPr lang="zh-CN" altLang="en-US"/>
           </a:p>
@@ -4555,7 +4725,7 @@
     </p:spTree>
     <p:extLst>
       <p:ext uri="{BB962C8B-B14F-4D97-AF65-F5344CB8AC3E}">
-        <p14:creationId xmlns:p14="http://schemas.microsoft.com/office/powerpoint/2010/main" val="733533214"/>
+        <p14:creationId xmlns:p14="http://schemas.microsoft.com/office/powerpoint/2010/main" val="2995130176"/>
       </p:ext>
     </p:extLst>
   </p:cSld>
@@ -4599,7 +4769,7 @@
           <a:p>
             <a:fld id="{97095D91-4134-4D40-B085-E208BDCE2780}" type="datetimeFigureOut">
               <a:rPr lang="zh-CN" altLang="en-US" smtClean="0"/>
-              <a:t>2017/6/16</a:t>
+              <a:t>2017/6/17</a:t>
             </a:fld>
             <a:endParaRPr lang="zh-CN" altLang="en-US"/>
           </a:p>
@@ -4650,7 +4820,7 @@
     </p:spTree>
     <p:extLst>
       <p:ext uri="{BB962C8B-B14F-4D97-AF65-F5344CB8AC3E}">
-        <p14:creationId xmlns:p14="http://schemas.microsoft.com/office/powerpoint/2010/main" val="3600328522"/>
+        <p14:creationId xmlns:p14="http://schemas.microsoft.com/office/powerpoint/2010/main" val="1554560164"/>
       </p:ext>
     </p:extLst>
   </p:cSld>
@@ -4878,7 +5048,7 @@
           <a:p>
             <a:fld id="{97095D91-4134-4D40-B085-E208BDCE2780}" type="datetimeFigureOut">
               <a:rPr lang="zh-CN" altLang="en-US" smtClean="0"/>
-              <a:t>2017/6/16</a:t>
+              <a:t>2017/6/17</a:t>
             </a:fld>
             <a:endParaRPr lang="zh-CN" altLang="en-US"/>
           </a:p>
@@ -4929,7 +5099,7 @@
     </p:spTree>
     <p:extLst>
       <p:ext uri="{BB962C8B-B14F-4D97-AF65-F5344CB8AC3E}">
-        <p14:creationId xmlns:p14="http://schemas.microsoft.com/office/powerpoint/2010/main" val="717975572"/>
+        <p14:creationId xmlns:p14="http://schemas.microsoft.com/office/powerpoint/2010/main" val="3147167549"/>
       </p:ext>
     </p:extLst>
   </p:cSld>
@@ -5153,7 +5323,7 @@
           <a:p>
             <a:fld id="{97095D91-4134-4D40-B085-E208BDCE2780}" type="datetimeFigureOut">
               <a:rPr lang="zh-CN" altLang="en-US" smtClean="0"/>
-              <a:t>2017/6/16</a:t>
+              <a:t>2017/6/17</a:t>
             </a:fld>
             <a:endParaRPr lang="zh-CN" altLang="en-US"/>
           </a:p>
@@ -5204,7 +5374,7 @@
     </p:spTree>
     <p:extLst>
       <p:ext uri="{BB962C8B-B14F-4D97-AF65-F5344CB8AC3E}">
-        <p14:creationId xmlns:p14="http://schemas.microsoft.com/office/powerpoint/2010/main" val="551650827"/>
+        <p14:creationId xmlns:p14="http://schemas.microsoft.com/office/powerpoint/2010/main" val="3810589382"/>
       </p:ext>
     </p:extLst>
   </p:cSld>
@@ -5582,7 +5752,7 @@
           <a:p>
             <a:fld id="{97095D91-4134-4D40-B085-E208BDCE2780}" type="datetimeFigureOut">
               <a:rPr lang="zh-CN" altLang="en-US" smtClean="0"/>
-              <a:t>2017/6/16</a:t>
+              <a:t>2017/6/17</a:t>
             </a:fld>
             <a:endParaRPr lang="zh-CN" altLang="en-US"/>
           </a:p>
@@ -5670,29 +5840,29 @@
     </p:spTree>
     <p:extLst>
       <p:ext uri="{BB962C8B-B14F-4D97-AF65-F5344CB8AC3E}">
-        <p14:creationId xmlns:p14="http://schemas.microsoft.com/office/powerpoint/2010/main" val="55983159"/>
+        <p14:creationId xmlns:p14="http://schemas.microsoft.com/office/powerpoint/2010/main" val="4240940617"/>
       </p:ext>
     </p:extLst>
   </p:cSld>
   <p:clrMap bg1="dk1" tx1="lt1" bg2="dk2" tx2="lt2" accent1="accent1" accent2="accent2" accent3="accent3" accent4="accent4" accent5="accent5" accent6="accent6" hlink="hlink" folHlink="folHlink"/>
   <p:sldLayoutIdLst>
-    <p:sldLayoutId id="2147483661" r:id="rId1"/>
-    <p:sldLayoutId id="2147483662" r:id="rId2"/>
-    <p:sldLayoutId id="2147483663" r:id="rId3"/>
-    <p:sldLayoutId id="2147483664" r:id="rId4"/>
-    <p:sldLayoutId id="2147483665" r:id="rId5"/>
-    <p:sldLayoutId id="2147483666" r:id="rId6"/>
-    <p:sldLayoutId id="2147483667" r:id="rId7"/>
-    <p:sldLayoutId id="2147483668" r:id="rId8"/>
-    <p:sldLayoutId id="2147483669" r:id="rId9"/>
-    <p:sldLayoutId id="2147483670" r:id="rId10"/>
-    <p:sldLayoutId id="2147483671" r:id="rId11"/>
-    <p:sldLayoutId id="2147483672" r:id="rId12"/>
-    <p:sldLayoutId id="2147483673" r:id="rId13"/>
-    <p:sldLayoutId id="2147483674" r:id="rId14"/>
-    <p:sldLayoutId id="2147483675" r:id="rId15"/>
-    <p:sldLayoutId id="2147483676" r:id="rId16"/>
-    <p:sldLayoutId id="2147483677" r:id="rId17"/>
+    <p:sldLayoutId id="2147483679" r:id="rId1"/>
+    <p:sldLayoutId id="2147483680" r:id="rId2"/>
+    <p:sldLayoutId id="2147483681" r:id="rId3"/>
+    <p:sldLayoutId id="2147483682" r:id="rId4"/>
+    <p:sldLayoutId id="2147483683" r:id="rId5"/>
+    <p:sldLayoutId id="2147483684" r:id="rId6"/>
+    <p:sldLayoutId id="2147483685" r:id="rId7"/>
+    <p:sldLayoutId id="2147483686" r:id="rId8"/>
+    <p:sldLayoutId id="2147483687" r:id="rId9"/>
+    <p:sldLayoutId id="2147483688" r:id="rId10"/>
+    <p:sldLayoutId id="2147483689" r:id="rId11"/>
+    <p:sldLayoutId id="2147483690" r:id="rId12"/>
+    <p:sldLayoutId id="2147483691" r:id="rId13"/>
+    <p:sldLayoutId id="2147483692" r:id="rId14"/>
+    <p:sldLayoutId id="2147483693" r:id="rId15"/>
+    <p:sldLayoutId id="2147483694" r:id="rId16"/>
+    <p:sldLayoutId id="2147483695" r:id="rId17"/>
   </p:sldLayoutIdLst>
   <p:txStyles>
     <p:titleStyle>
@@ -6519,13 +6689,11 @@
       </p:sp>
       <p:pic>
         <p:nvPicPr>
-          <p:cNvPr id="4" name="内容占位符 3"/>
+          <p:cNvPr id="6" name="图片 5"/>
           <p:cNvPicPr>
-            <a:picLocks noGrp="1" noChangeAspect="1"/>
+            <a:picLocks noChangeAspect="1"/>
           </p:cNvPicPr>
-          <p:nvPr>
-            <p:ph idx="1"/>
-          </p:nvPr>
+          <p:nvPr/>
         </p:nvPicPr>
         <p:blipFill>
           <a:blip r:embed="rId2"/>
@@ -6535,8 +6703,8 @@
         </p:blipFill>
         <p:spPr>
           <a:xfrm>
-            <a:off x="2066007" y="1712364"/>
-            <a:ext cx="4400893" cy="4196556"/>
+            <a:off x="2265630" y="1601668"/>
+            <a:ext cx="4630929" cy="4415911"/>
           </a:xfrm>
           <a:prstGeom prst="rect">
             <a:avLst/>
@@ -6603,25 +6771,32 @@
           </a:p>
         </p:txBody>
       </p:sp>
-      <p:sp>
-        <p:nvSpPr>
-          <p:cNvPr id="3" name="内容占位符 2"/>
-          <p:cNvSpPr>
-            <a:spLocks noGrp="1"/>
-          </p:cNvSpPr>
+      <p:pic>
+        <p:nvPicPr>
+          <p:cNvPr id="4" name="内容占位符 3"/>
+          <p:cNvPicPr>
+            <a:picLocks noGrp="1" noChangeAspect="1"/>
+          </p:cNvPicPr>
           <p:nvPr>
             <p:ph idx="1"/>
           </p:nvPr>
-        </p:nvSpPr>
-        <p:spPr/>
-        <p:txBody>
-          <a:bodyPr/>
-          <a:lstStyle/>
-          <a:p>
-            <a:endParaRPr lang="zh-CN" altLang="en-US"/>
-          </a:p>
-        </p:txBody>
-      </p:sp>
+        </p:nvPicPr>
+        <p:blipFill>
+          <a:blip r:embed="rId2"/>
+          <a:stretch>
+            <a:fillRect/>
+          </a:stretch>
+        </p:blipFill>
+        <p:spPr>
+          <a:xfrm>
+            <a:off x="2064306" y="1853248"/>
+            <a:ext cx="6066141" cy="4192198"/>
+          </a:xfrm>
+          <a:prstGeom prst="rect">
+            <a:avLst/>
+          </a:prstGeom>
+        </p:spPr>
+      </p:pic>
     </p:spTree>
     <p:extLst>
       <p:ext uri="{BB962C8B-B14F-4D97-AF65-F5344CB8AC3E}">
@@ -6712,6 +6887,200 @@
     <p:extLst>
       <p:ext uri="{BB962C8B-B14F-4D97-AF65-F5344CB8AC3E}">
         <p14:creationId xmlns:p14="http://schemas.microsoft.com/office/powerpoint/2010/main" val="3344477646"/>
+      </p:ext>
+    </p:extLst>
+  </p:cSld>
+  <p:clrMapOvr>
+    <a:masterClrMapping/>
+  </p:clrMapOvr>
+  <p:timing>
+    <p:tnLst>
+      <p:par>
+        <p:cTn id="1" dur="indefinite" restart="never" nodeType="tmRoot"/>
+      </p:par>
+    </p:tnLst>
+  </p:timing>
+</p:sld>
+</file>
+
+<file path=ppt/slides/slide7.xml><?xml version="1.0" encoding="utf-8"?>
+<p:sld xmlns:a="http://schemas.openxmlformats.org/drawingml/2006/main" xmlns:r="http://schemas.openxmlformats.org/officeDocument/2006/relationships" xmlns:p="http://schemas.openxmlformats.org/presentationml/2006/main">
+  <p:cSld>
+    <p:spTree>
+      <p:nvGrpSpPr>
+        <p:cNvPr id="1" name=""/>
+        <p:cNvGrpSpPr/>
+        <p:nvPr/>
+      </p:nvGrpSpPr>
+      <p:grpSpPr>
+        <a:xfrm>
+          <a:off x="0" y="0"/>
+          <a:ext cx="0" cy="0"/>
+          <a:chOff x="0" y="0"/>
+          <a:chExt cx="0" cy="0"/>
+        </a:xfrm>
+      </p:grpSpPr>
+      <p:sp>
+        <p:nvSpPr>
+          <p:cNvPr id="2" name="标题 1"/>
+          <p:cNvSpPr>
+            <a:spLocks noGrp="1"/>
+          </p:cNvSpPr>
+          <p:nvPr>
+            <p:ph type="title"/>
+          </p:nvPr>
+        </p:nvSpPr>
+        <p:spPr>
+          <a:xfrm>
+            <a:off x="1154955" y="4244891"/>
+            <a:ext cx="9404723" cy="1400530"/>
+          </a:xfrm>
+        </p:spPr>
+        <p:txBody>
+          <a:bodyPr/>
+          <a:lstStyle/>
+          <a:p>
+            <a:r>
+              <a:rPr lang="zh-CN" altLang="en-US" sz="3600" dirty="0" smtClean="0"/>
+              <a:t>请</a:t>
+            </a:r>
+            <a:r>
+              <a:rPr lang="zh-CN" altLang="en-US" sz="3600" dirty="0"/>
+              <a:t>各位</a:t>
+            </a:r>
+            <a:r>
+              <a:rPr lang="zh-CN" altLang="en-US" sz="3600" dirty="0" smtClean="0"/>
+              <a:t>老师点评</a:t>
+            </a:r>
+            <a:endParaRPr lang="zh-CN" altLang="en-US" sz="3600" dirty="0"/>
+          </a:p>
+        </p:txBody>
+      </p:sp>
+      <p:sp>
+        <p:nvSpPr>
+          <p:cNvPr id="4" name="标题 1"/>
+          <p:cNvSpPr txBox="1">
+            <a:spLocks/>
+          </p:cNvSpPr>
+          <p:nvPr/>
+        </p:nvSpPr>
+        <p:spPr>
+          <a:xfrm>
+            <a:off x="1154955" y="1447801"/>
+            <a:ext cx="6611937" cy="1680990"/>
+          </a:xfrm>
+          <a:prstGeom prst="rect">
+            <a:avLst/>
+          </a:prstGeom>
+        </p:spPr>
+        <p:txBody>
+          <a:bodyPr vert="horz" lIns="91440" tIns="45720" rIns="91440" bIns="45720" rtlCol="0" anchor="t">
+            <a:noAutofit/>
+          </a:bodyPr>
+          <a:lstStyle>
+            <a:lvl1pPr algn="l" defTabSz="457200" rtl="0" eaLnBrk="1" latinLnBrk="0" hangingPunct="1">
+              <a:spcBef>
+                <a:spcPct val="0"/>
+              </a:spcBef>
+              <a:buNone/>
+              <a:defRPr sz="4200" b="0" i="0" kern="1200">
+                <a:solidFill>
+                  <a:schemeClr val="tx2"/>
+                </a:solidFill>
+                <a:latin typeface="+mj-lt"/>
+                <a:ea typeface="+mj-ea"/>
+                <a:cs typeface="+mj-cs"/>
+              </a:defRPr>
+            </a:lvl1pPr>
+            <a:lvl2pPr eaLnBrk="1" hangingPunct="1">
+              <a:defRPr>
+                <a:solidFill>
+                  <a:schemeClr val="tx2"/>
+                </a:solidFill>
+              </a:defRPr>
+            </a:lvl2pPr>
+            <a:lvl3pPr eaLnBrk="1" hangingPunct="1">
+              <a:defRPr>
+                <a:solidFill>
+                  <a:schemeClr val="tx2"/>
+                </a:solidFill>
+              </a:defRPr>
+            </a:lvl3pPr>
+            <a:lvl4pPr eaLnBrk="1" hangingPunct="1">
+              <a:defRPr>
+                <a:solidFill>
+                  <a:schemeClr val="tx2"/>
+                </a:solidFill>
+              </a:defRPr>
+            </a:lvl4pPr>
+            <a:lvl5pPr eaLnBrk="1" hangingPunct="1">
+              <a:defRPr>
+                <a:solidFill>
+                  <a:schemeClr val="tx2"/>
+                </a:solidFill>
+              </a:defRPr>
+            </a:lvl5pPr>
+            <a:lvl6pPr eaLnBrk="1" hangingPunct="1">
+              <a:defRPr>
+                <a:solidFill>
+                  <a:schemeClr val="tx2"/>
+                </a:solidFill>
+              </a:defRPr>
+            </a:lvl6pPr>
+            <a:lvl7pPr eaLnBrk="1" hangingPunct="1">
+              <a:defRPr>
+                <a:solidFill>
+                  <a:schemeClr val="tx2"/>
+                </a:solidFill>
+              </a:defRPr>
+            </a:lvl7pPr>
+            <a:lvl8pPr eaLnBrk="1" hangingPunct="1">
+              <a:defRPr>
+                <a:solidFill>
+                  <a:schemeClr val="tx2"/>
+                </a:solidFill>
+              </a:defRPr>
+            </a:lvl8pPr>
+            <a:lvl9pPr eaLnBrk="1" hangingPunct="1">
+              <a:defRPr>
+                <a:solidFill>
+                  <a:schemeClr val="tx2"/>
+                </a:solidFill>
+              </a:defRPr>
+            </a:lvl9pPr>
+          </a:lstStyle>
+          <a:p>
+            <a:r>
+              <a:rPr lang="zh-CN" altLang="en-US" sz="4800" dirty="0" smtClean="0"/>
+              <a:t>基于</a:t>
+            </a:r>
+            <a:r>
+              <a:rPr lang="en-US" altLang="zh-CN" sz="4800" dirty="0" smtClean="0"/>
+              <a:t>ASP.NET</a:t>
+            </a:r>
+            <a:r>
+              <a:rPr lang="zh-CN" altLang="en-US" sz="4800" dirty="0" smtClean="0"/>
+              <a:t>的</a:t>
+            </a:r>
+            <a:r>
+              <a:rPr lang="en-US" altLang="zh-CN" sz="4800" dirty="0" smtClean="0"/>
+              <a:t/>
+            </a:r>
+            <a:br>
+              <a:rPr lang="en-US" altLang="zh-CN" sz="4800" dirty="0" smtClean="0"/>
+            </a:br>
+            <a:r>
+              <a:rPr lang="zh-CN" altLang="en-US" sz="4800" dirty="0" smtClean="0"/>
+              <a:t>源代码版本控制系统</a:t>
+            </a:r>
+            <a:endParaRPr lang="zh-CN" altLang="en-US" sz="4800" dirty="0"/>
+          </a:p>
+        </p:txBody>
+      </p:sp>
+    </p:spTree>
+    <p:extLst>
+      <p:ext uri="{BB962C8B-B14F-4D97-AF65-F5344CB8AC3E}">
+        <p14:creationId xmlns:p14="http://schemas.microsoft.com/office/powerpoint/2010/main" val="3960183270"/>
       </p:ext>
     </p:extLst>
   </p:cSld>
@@ -6992,4 +7361,265 @@
     </a:ext>
   </a:extLst>
 </a:theme>
+</file>
+
+<file path=ppt/theme/theme2.xml><?xml version="1.0" encoding="utf-8"?>
+<a:theme xmlns:a="http://schemas.openxmlformats.org/drawingml/2006/main" name="Office 主题">
+  <a:themeElements>
+    <a:clrScheme name="Office">
+      <a:dk1>
+        <a:sysClr val="windowText" lastClr="000000"/>
+      </a:dk1>
+      <a:lt1>
+        <a:sysClr val="window" lastClr="FFFFFF"/>
+      </a:lt1>
+      <a:dk2>
+        <a:srgbClr val="44546A"/>
+      </a:dk2>
+      <a:lt2>
+        <a:srgbClr val="E7E6E6"/>
+      </a:lt2>
+      <a:accent1>
+        <a:srgbClr val="5B9BD5"/>
+      </a:accent1>
+      <a:accent2>
+        <a:srgbClr val="ED7D31"/>
+      </a:accent2>
+      <a:accent3>
+        <a:srgbClr val="A5A5A5"/>
+      </a:accent3>
+      <a:accent4>
+        <a:srgbClr val="FFC000"/>
+      </a:accent4>
+      <a:accent5>
+        <a:srgbClr val="4472C4"/>
+      </a:accent5>
+      <a:accent6>
+        <a:srgbClr val="70AD47"/>
+      </a:accent6>
+      <a:hlink>
+        <a:srgbClr val="0563C1"/>
+      </a:hlink>
+      <a:folHlink>
+        <a:srgbClr val="954F72"/>
+      </a:folHlink>
+    </a:clrScheme>
+    <a:fontScheme name="Office">
+      <a:majorFont>
+        <a:latin typeface="Calibri Light" panose="020F0302020204030204"/>
+        <a:ea typeface=""/>
+        <a:cs typeface=""/>
+        <a:font script="Jpan" typeface="ＭＳ Ｐゴシック"/>
+        <a:font script="Hang" typeface="맑은 고딕"/>
+        <a:font script="Hans" typeface="宋体"/>
+        <a:font script="Hant" typeface="新細明體"/>
+        <a:font script="Arab" typeface="Times New Roman"/>
+        <a:font script="Hebr" typeface="Times New Roman"/>
+        <a:font script="Thai" typeface="Angsana New"/>
+        <a:font script="Ethi" typeface="Nyala"/>
+        <a:font script="Beng" typeface="Vrinda"/>
+        <a:font script="Gujr" typeface="Shruti"/>
+        <a:font script="Khmr" typeface="MoolBoran"/>
+        <a:font script="Knda" typeface="Tunga"/>
+        <a:font script="Guru" typeface="Raavi"/>
+        <a:font script="Cans" typeface="Euphemia"/>
+        <a:font script="Cher" typeface="Plantagenet Cherokee"/>
+        <a:font script="Yiii" typeface="Microsoft Yi Baiti"/>
+        <a:font script="Tibt" typeface="Microsoft Himalaya"/>
+        <a:font script="Thaa" typeface="MV Boli"/>
+        <a:font script="Deva" typeface="Mangal"/>
+        <a:font script="Telu" typeface="Gautami"/>
+        <a:font script="Taml" typeface="Latha"/>
+        <a:font script="Syrc" typeface="Estrangelo Edessa"/>
+        <a:font script="Orya" typeface="Kalinga"/>
+        <a:font script="Mlym" typeface="Kartika"/>
+        <a:font script="Laoo" typeface="DokChampa"/>
+        <a:font script="Sinh" typeface="Iskoola Pota"/>
+        <a:font script="Mong" typeface="Mongolian Baiti"/>
+        <a:font script="Viet" typeface="Times New Roman"/>
+        <a:font script="Uigh" typeface="Microsoft Uighur"/>
+        <a:font script="Geor" typeface="Sylfaen"/>
+      </a:majorFont>
+      <a:minorFont>
+        <a:latin typeface="Calibri" panose="020F0502020204030204"/>
+        <a:ea typeface=""/>
+        <a:cs typeface=""/>
+        <a:font script="Jpan" typeface="ＭＳ Ｐゴシック"/>
+        <a:font script="Hang" typeface="맑은 고딕"/>
+        <a:font script="Hans" typeface="宋体"/>
+        <a:font script="Hant" typeface="新細明體"/>
+        <a:font script="Arab" typeface="Arial"/>
+        <a:font script="Hebr" typeface="Arial"/>
+        <a:font script="Thai" typeface="Cordia New"/>
+        <a:font script="Ethi" typeface="Nyala"/>
+        <a:font script="Beng" typeface="Vrinda"/>
+        <a:font script="Gujr" typeface="Shruti"/>
+        <a:font script="Khmr" typeface="DaunPenh"/>
+        <a:font script="Knda" typeface="Tunga"/>
+        <a:font script="Guru" typeface="Raavi"/>
+        <a:font script="Cans" typeface="Euphemia"/>
+        <a:font script="Cher" typeface="Plantagenet Cherokee"/>
+        <a:font script="Yiii" typeface="Microsoft Yi Baiti"/>
+        <a:font script="Tibt" typeface="Microsoft Himalaya"/>
+        <a:font script="Thaa" typeface="MV Boli"/>
+        <a:font script="Deva" typeface="Mangal"/>
+        <a:font script="Telu" typeface="Gautami"/>
+        <a:font script="Taml" typeface="Latha"/>
+        <a:font script="Syrc" typeface="Estrangelo Edessa"/>
+        <a:font script="Orya" typeface="Kalinga"/>
+        <a:font script="Mlym" typeface="Kartika"/>
+        <a:font script="Laoo" typeface="DokChampa"/>
+        <a:font script="Sinh" typeface="Iskoola Pota"/>
+        <a:font script="Mong" typeface="Mongolian Baiti"/>
+        <a:font script="Viet" typeface="Arial"/>
+        <a:font script="Uigh" typeface="Microsoft Uighur"/>
+        <a:font script="Geor" typeface="Sylfaen"/>
+      </a:minorFont>
+    </a:fontScheme>
+    <a:fmtScheme name="Office">
+      <a:fillStyleLst>
+        <a:solidFill>
+          <a:schemeClr val="phClr"/>
+        </a:solidFill>
+        <a:gradFill rotWithShape="1">
+          <a:gsLst>
+            <a:gs pos="0">
+              <a:schemeClr val="phClr">
+                <a:lumMod val="110000"/>
+                <a:satMod val="105000"/>
+                <a:tint val="67000"/>
+              </a:schemeClr>
+            </a:gs>
+            <a:gs pos="50000">
+              <a:schemeClr val="phClr">
+                <a:lumMod val="105000"/>
+                <a:satMod val="103000"/>
+                <a:tint val="73000"/>
+              </a:schemeClr>
+            </a:gs>
+            <a:gs pos="100000">
+              <a:schemeClr val="phClr">
+                <a:lumMod val="105000"/>
+                <a:satMod val="109000"/>
+                <a:tint val="81000"/>
+              </a:schemeClr>
+            </a:gs>
+          </a:gsLst>
+          <a:lin ang="5400000" scaled="0"/>
+        </a:gradFill>
+        <a:gradFill rotWithShape="1">
+          <a:gsLst>
+            <a:gs pos="0">
+              <a:schemeClr val="phClr">
+                <a:satMod val="103000"/>
+                <a:lumMod val="102000"/>
+                <a:tint val="94000"/>
+              </a:schemeClr>
+            </a:gs>
+            <a:gs pos="50000">
+              <a:schemeClr val="phClr">
+                <a:satMod val="110000"/>
+                <a:lumMod val="100000"/>
+                <a:shade val="100000"/>
+              </a:schemeClr>
+            </a:gs>
+            <a:gs pos="100000">
+              <a:schemeClr val="phClr">
+                <a:lumMod val="99000"/>
+                <a:satMod val="120000"/>
+                <a:shade val="78000"/>
+              </a:schemeClr>
+            </a:gs>
+          </a:gsLst>
+          <a:lin ang="5400000" scaled="0"/>
+        </a:gradFill>
+      </a:fillStyleLst>
+      <a:lnStyleLst>
+        <a:ln w="6350" cap="flat" cmpd="sng" algn="ctr">
+          <a:solidFill>
+            <a:schemeClr val="phClr"/>
+          </a:solidFill>
+          <a:prstDash val="solid"/>
+          <a:miter lim="800000"/>
+        </a:ln>
+        <a:ln w="12700" cap="flat" cmpd="sng" algn="ctr">
+          <a:solidFill>
+            <a:schemeClr val="phClr"/>
+          </a:solidFill>
+          <a:prstDash val="solid"/>
+          <a:miter lim="800000"/>
+        </a:ln>
+        <a:ln w="19050" cap="flat" cmpd="sng" algn="ctr">
+          <a:solidFill>
+            <a:schemeClr val="phClr"/>
+          </a:solidFill>
+          <a:prstDash val="solid"/>
+          <a:miter lim="800000"/>
+        </a:ln>
+      </a:lnStyleLst>
+      <a:effectStyleLst>
+        <a:effectStyle>
+          <a:effectLst/>
+        </a:effectStyle>
+        <a:effectStyle>
+          <a:effectLst/>
+        </a:effectStyle>
+        <a:effectStyle>
+          <a:effectLst>
+            <a:outerShdw blurRad="57150" dist="19050" dir="5400000" algn="ctr" rotWithShape="0">
+              <a:srgbClr val="000000">
+                <a:alpha val="63000"/>
+              </a:srgbClr>
+            </a:outerShdw>
+          </a:effectLst>
+        </a:effectStyle>
+      </a:effectStyleLst>
+      <a:bgFillStyleLst>
+        <a:solidFill>
+          <a:schemeClr val="phClr"/>
+        </a:solidFill>
+        <a:solidFill>
+          <a:schemeClr val="phClr">
+            <a:tint val="95000"/>
+            <a:satMod val="170000"/>
+          </a:schemeClr>
+        </a:solidFill>
+        <a:gradFill rotWithShape="1">
+          <a:gsLst>
+            <a:gs pos="0">
+              <a:schemeClr val="phClr">
+                <a:tint val="93000"/>
+                <a:satMod val="150000"/>
+                <a:shade val="98000"/>
+                <a:lumMod val="102000"/>
+              </a:schemeClr>
+            </a:gs>
+            <a:gs pos="50000">
+              <a:schemeClr val="phClr">
+                <a:tint val="98000"/>
+                <a:satMod val="130000"/>
+                <a:shade val="90000"/>
+                <a:lumMod val="103000"/>
+              </a:schemeClr>
+            </a:gs>
+            <a:gs pos="100000">
+              <a:schemeClr val="phClr">
+                <a:shade val="63000"/>
+                <a:satMod val="120000"/>
+              </a:schemeClr>
+            </a:gs>
+          </a:gsLst>
+          <a:lin ang="5400000" scaled="0"/>
+        </a:gradFill>
+      </a:bgFillStyleLst>
+    </a:fmtScheme>
+  </a:themeElements>
+  <a:objectDefaults/>
+  <a:extraClrSchemeLst/>
+  <a:extLst>
+    <a:ext uri="{05A4C25C-085E-4340-85A3-A5531E510DB2}">
+      <thm15:themeFamily xmlns:thm15="http://schemas.microsoft.com/office/thememl/2012/main" name="Office Theme" id="{62F939B6-93AF-4DB8-9C6B-D6C7DFDC589F}" vid="{4A3C46E8-61CC-4603-A589-7422A47A8E4A}"/>
+    </a:ext>
+  </a:extLst>
+</a:theme>
 </file>
--- a/ppt.pptx
+++ b/ppt.pptx
@@ -132,6 +132,9 @@
     <p:ext uri="{EFAFB233-063F-42B5-8137-9DF3F51BA10A}">
       <p15:sldGuideLst xmlns:p15="http://schemas.microsoft.com/office/powerpoint/2012/main"/>
     </p:ext>
+    <p:ext uri="{2D200454-40CA-4A62-9FC3-DE9A4176ACB9}">
+      <p15:notesGuideLst xmlns:p15="http://schemas.microsoft.com/office/powerpoint/2012/main"/>
+    </p:ext>
   </p:extLst>
 </p:presentation>
 </file>
@@ -218,7 +221,7 @@
           <a:p>
             <a:fld id="{11BFA982-DA4C-4371-8E8E-45BA2AE65C4F}" type="datetimeFigureOut">
               <a:rPr lang="zh-CN" altLang="en-US" smtClean="0"/>
-              <a:t>2017/6/17</a:t>
+              <a:t>2017/6/18</a:t>
             </a:fld>
             <a:endParaRPr lang="zh-CN" altLang="en-US"/>
           </a:p>
@@ -487,7 +490,7 @@
           <a:p>
             <a:fld id="{97095D91-4134-4D40-B085-E208BDCE2780}" type="datetimeFigureOut">
               <a:rPr lang="zh-CN" altLang="en-US" smtClean="0"/>
-              <a:t>2017/6/17</a:t>
+              <a:t>2017/6/18</a:t>
             </a:fld>
             <a:endParaRPr lang="zh-CN" altLang="en-US"/>
           </a:p>
@@ -762,7 +765,7 @@
           <a:p>
             <a:fld id="{97095D91-4134-4D40-B085-E208BDCE2780}" type="datetimeFigureOut">
               <a:rPr lang="zh-CN" altLang="en-US" smtClean="0"/>
-              <a:t>2017/6/17</a:t>
+              <a:t>2017/6/18</a:t>
             </a:fld>
             <a:endParaRPr lang="zh-CN" altLang="en-US"/>
           </a:p>
@@ -956,7 +959,7 @@
           <a:p>
             <a:fld id="{97095D91-4134-4D40-B085-E208BDCE2780}" type="datetimeFigureOut">
               <a:rPr lang="zh-CN" altLang="en-US" smtClean="0"/>
-              <a:t>2017/6/17</a:t>
+              <a:t>2017/6/18</a:t>
             </a:fld>
             <a:endParaRPr lang="zh-CN" altLang="en-US"/>
           </a:p>
@@ -1229,7 +1232,7 @@
           <a:p>
             <a:fld id="{97095D91-4134-4D40-B085-E208BDCE2780}" type="datetimeFigureOut">
               <a:rPr lang="zh-CN" altLang="en-US" smtClean="0"/>
-              <a:t>2017/6/17</a:t>
+              <a:t>2017/6/18</a:t>
             </a:fld>
             <a:endParaRPr lang="zh-CN" altLang="en-US"/>
           </a:p>
@@ -1570,7 +1573,7 @@
           <a:p>
             <a:fld id="{97095D91-4134-4D40-B085-E208BDCE2780}" type="datetimeFigureOut">
               <a:rPr lang="zh-CN" altLang="en-US" smtClean="0"/>
-              <a:t>2017/6/17</a:t>
+              <a:t>2017/6/18</a:t>
             </a:fld>
             <a:endParaRPr lang="zh-CN" altLang="en-US"/>
           </a:p>
@@ -2193,7 +2196,7 @@
           <a:p>
             <a:fld id="{97095D91-4134-4D40-B085-E208BDCE2780}" type="datetimeFigureOut">
               <a:rPr lang="zh-CN" altLang="en-US" smtClean="0"/>
-              <a:t>2017/6/17</a:t>
+              <a:t>2017/6/18</a:t>
             </a:fld>
             <a:endParaRPr lang="zh-CN" altLang="en-US"/>
           </a:p>
@@ -3053,7 +3056,7 @@
           <a:p>
             <a:fld id="{97095D91-4134-4D40-B085-E208BDCE2780}" type="datetimeFigureOut">
               <a:rPr lang="zh-CN" altLang="en-US" smtClean="0"/>
-              <a:t>2017/6/17</a:t>
+              <a:t>2017/6/18</a:t>
             </a:fld>
             <a:endParaRPr lang="zh-CN" altLang="en-US"/>
           </a:p>
@@ -3223,7 +3226,7 @@
           <a:p>
             <a:fld id="{97095D91-4134-4D40-B085-E208BDCE2780}" type="datetimeFigureOut">
               <a:rPr lang="zh-CN" altLang="en-US" smtClean="0"/>
-              <a:t>2017/6/17</a:t>
+              <a:t>2017/6/18</a:t>
             </a:fld>
             <a:endParaRPr lang="zh-CN" altLang="en-US"/>
           </a:p>
@@ -3403,7 +3406,7 @@
           <a:p>
             <a:fld id="{97095D91-4134-4D40-B085-E208BDCE2780}" type="datetimeFigureOut">
               <a:rPr lang="zh-CN" altLang="en-US" smtClean="0"/>
-              <a:t>2017/6/17</a:t>
+              <a:t>2017/6/18</a:t>
             </a:fld>
             <a:endParaRPr lang="zh-CN" altLang="en-US"/>
           </a:p>
@@ -3573,7 +3576,7 @@
           <a:p>
             <a:fld id="{97095D91-4134-4D40-B085-E208BDCE2780}" type="datetimeFigureOut">
               <a:rPr lang="zh-CN" altLang="en-US" smtClean="0"/>
-              <a:t>2017/6/17</a:t>
+              <a:t>2017/6/18</a:t>
             </a:fld>
             <a:endParaRPr lang="zh-CN" altLang="en-US"/>
           </a:p>
@@ -3820,7 +3823,7 @@
           <a:p>
             <a:fld id="{97095D91-4134-4D40-B085-E208BDCE2780}" type="datetimeFigureOut">
               <a:rPr lang="zh-CN" altLang="en-US" smtClean="0"/>
-              <a:t>2017/6/17</a:t>
+              <a:t>2017/6/18</a:t>
             </a:fld>
             <a:endParaRPr lang="zh-CN" altLang="en-US"/>
           </a:p>
@@ -4112,7 +4115,7 @@
           <a:p>
             <a:fld id="{97095D91-4134-4D40-B085-E208BDCE2780}" type="datetimeFigureOut">
               <a:rPr lang="zh-CN" altLang="en-US" smtClean="0"/>
-              <a:t>2017/6/17</a:t>
+              <a:t>2017/6/18</a:t>
             </a:fld>
             <a:endParaRPr lang="zh-CN" altLang="en-US"/>
           </a:p>
@@ -4556,7 +4559,7 @@
           <a:p>
             <a:fld id="{97095D91-4134-4D40-B085-E208BDCE2780}" type="datetimeFigureOut">
               <a:rPr lang="zh-CN" altLang="en-US" smtClean="0"/>
-              <a:t>2017/6/17</a:t>
+              <a:t>2017/6/18</a:t>
             </a:fld>
             <a:endParaRPr lang="zh-CN" altLang="en-US"/>
           </a:p>
@@ -4674,7 +4677,7 @@
           <a:p>
             <a:fld id="{97095D91-4134-4D40-B085-E208BDCE2780}" type="datetimeFigureOut">
               <a:rPr lang="zh-CN" altLang="en-US" smtClean="0"/>
-              <a:t>2017/6/17</a:t>
+              <a:t>2017/6/18</a:t>
             </a:fld>
             <a:endParaRPr lang="zh-CN" altLang="en-US"/>
           </a:p>
@@ -4769,7 +4772,7 @@
           <a:p>
             <a:fld id="{97095D91-4134-4D40-B085-E208BDCE2780}" type="datetimeFigureOut">
               <a:rPr lang="zh-CN" altLang="en-US" smtClean="0"/>
-              <a:t>2017/6/17</a:t>
+              <a:t>2017/6/18</a:t>
             </a:fld>
             <a:endParaRPr lang="zh-CN" altLang="en-US"/>
           </a:p>
@@ -5048,7 +5051,7 @@
           <a:p>
             <a:fld id="{97095D91-4134-4D40-B085-E208BDCE2780}" type="datetimeFigureOut">
               <a:rPr lang="zh-CN" altLang="en-US" smtClean="0"/>
-              <a:t>2017/6/17</a:t>
+              <a:t>2017/6/18</a:t>
             </a:fld>
             <a:endParaRPr lang="zh-CN" altLang="en-US"/>
           </a:p>
@@ -5323,7 +5326,7 @@
           <a:p>
             <a:fld id="{97095D91-4134-4D40-B085-E208BDCE2780}" type="datetimeFigureOut">
               <a:rPr lang="zh-CN" altLang="en-US" smtClean="0"/>
-              <a:t>2017/6/17</a:t>
+              <a:t>2017/6/18</a:t>
             </a:fld>
             <a:endParaRPr lang="zh-CN" altLang="en-US"/>
           </a:p>
@@ -5752,7 +5755,7 @@
           <a:p>
             <a:fld id="{97095D91-4134-4D40-B085-E208BDCE2780}" type="datetimeFigureOut">
               <a:rPr lang="zh-CN" altLang="en-US" smtClean="0"/>
-              <a:t>2017/6/17</a:t>
+              <a:t>2017/6/18</a:t>
             </a:fld>
             <a:endParaRPr lang="zh-CN" altLang="en-US"/>
           </a:p>
